--- a/第3章-空间数据读写及可视化/第1节-矢量数据读写及可视化-4课时.pptx
+++ b/第3章-空间数据读写及可视化/第1节-矢量数据读写及可视化-4课时.pptx
@@ -24,7 +24,7 @@
     <p:sldId id="2709" r:id="rId12"/>
     <p:sldId id="2762" r:id="rId13"/>
     <p:sldId id="2767" r:id="rId14"/>
-    <p:sldId id="2769" r:id="rId15"/>
+    <p:sldId id="2771" r:id="rId15"/>
     <p:sldId id="2760" r:id="rId16"/>
   </p:sldIdLst>
   <p:sldSz cx="9144000" cy="6858000" type="screen4x3"/>
@@ -7827,7 +7827,7 @@
               </a14:hiddenFill>
             </a:ext>
             <a:ext uri="{FAA26D3D-D897-4be2-8F04-BA451C77F1D7}">
-              <ma14:placeholderFlag xmlns:ma14="http://schemas.microsoft.com/office/mac/drawingml/2011/main" xmlns="" val="1"/>
+              <ma14:placeholderFlag xmlns="" xmlns:ma14="http://schemas.microsoft.com/office/mac/drawingml/2011/main" val="1"/>
             </a:ext>
           </a:extLst>
         </p:spPr>
@@ -8211,7 +8211,7 @@
               </a14:hiddenLine>
             </a:ext>
             <a:ext uri="{FAA26D3D-D897-4be2-8F04-BA451C77F1D7}">
-              <ma14:placeholderFlag xmlns:ma14="http://schemas.microsoft.com/office/mac/drawingml/2011/main" xmlns="" val="1"/>
+              <ma14:placeholderFlag xmlns="" xmlns:ma14="http://schemas.microsoft.com/office/mac/drawingml/2011/main" val="1"/>
             </a:ext>
           </a:extLst>
         </p:spPr>
@@ -8537,7 +8537,13 @@
   <p:cSld>
     <p:spTree>
       <p:nvGrpSpPr>
-        <p:cNvPr id="1" name=""/>
+        <p:cNvPr id="1" name="">
+          <a:extLst>
+            <a:ext uri="{FF2B5EF4-FFF2-40B4-BE49-F238E27FC236}">
+              <a16:creationId xmlns:a16="http://schemas.microsoft.com/office/drawing/2014/main" id="{1BC27280-7C0F-88A3-D74B-C26C714DB232}"/>
+            </a:ext>
+          </a:extLst>
+        </p:cNvPr>
         <p:cNvGrpSpPr/>
         <p:nvPr/>
       </p:nvGrpSpPr>
@@ -8551,7 +8557,13 @@
       </p:grpSpPr>
       <p:sp>
         <p:nvSpPr>
-          <p:cNvPr id="2" name="幻灯片图像占位符 1"/>
+          <p:cNvPr id="2" name="幻灯片图像占位符 1">
+            <a:extLst>
+              <a:ext uri="{FF2B5EF4-FFF2-40B4-BE49-F238E27FC236}">
+                <a16:creationId xmlns:a16="http://schemas.microsoft.com/office/drawing/2014/main" id="{28F089B0-FA44-3007-9A2A-AEE89B090752}"/>
+              </a:ext>
+            </a:extLst>
+          </p:cNvPr>
           <p:cNvSpPr>
             <a:spLocks noGrp="1" noRot="1" noChangeAspect="1"/>
           </p:cNvSpPr>
@@ -8563,7 +8575,13 @@
       </p:sp>
       <p:sp>
         <p:nvSpPr>
-          <p:cNvPr id="3" name="备注占位符 2"/>
+          <p:cNvPr id="3" name="备注占位符 2">
+            <a:extLst>
+              <a:ext uri="{FF2B5EF4-FFF2-40B4-BE49-F238E27FC236}">
+                <a16:creationId xmlns:a16="http://schemas.microsoft.com/office/drawing/2014/main" id="{BC2D57B3-EDC1-6758-0EA1-ECA67C9FFA09}"/>
+              </a:ext>
+            </a:extLst>
+          </p:cNvPr>
           <p:cNvSpPr>
             <a:spLocks noGrp="1"/>
           </p:cNvSpPr>
@@ -8583,7 +8601,7 @@
     </p:spTree>
     <p:extLst>
       <p:ext uri="{BB962C8B-B14F-4D97-AF65-F5344CB8AC3E}">
-        <p14:creationId xmlns:p14="http://schemas.microsoft.com/office/powerpoint/2010/main" val="2063444556"/>
+        <p14:creationId xmlns:p14="http://schemas.microsoft.com/office/powerpoint/2010/main" val="3278959466"/>
       </p:ext>
     </p:extLst>
   </p:cSld>
@@ -11013,7 +11031,7 @@
               </a14:hiddenLine>
             </a:ext>
             <a:ext uri="{FAA26D3D-D897-4be2-8F04-BA451C77F1D7}">
-              <ma14:placeholderFlag xmlns:ma14="http://schemas.microsoft.com/office/mac/drawingml/2011/main" xmlns="" val="1"/>
+              <ma14:placeholderFlag xmlns="" xmlns:ma14="http://schemas.microsoft.com/office/mac/drawingml/2011/main" val="1"/>
             </a:ext>
           </a:extLst>
         </p:spPr>
@@ -14704,7 +14722,7 @@
               </a14:hiddenLine>
             </a:ext>
             <a:ext uri="{FAA26D3D-D897-4be2-8F04-BA451C77F1D7}">
-              <ma14:placeholderFlag xmlns:ma14="http://schemas.microsoft.com/office/mac/drawingml/2011/main" xmlns="" val="1"/>
+              <ma14:placeholderFlag xmlns="" xmlns:ma14="http://schemas.microsoft.com/office/mac/drawingml/2011/main" val="1"/>
             </a:ext>
           </a:extLst>
         </p:spPr>
@@ -17859,7 +17877,13 @@
   <p:cSld>
     <p:spTree>
       <p:nvGrpSpPr>
-        <p:cNvPr id="1" name=""/>
+        <p:cNvPr id="1" name="">
+          <a:extLst>
+            <a:ext uri="{FF2B5EF4-FFF2-40B4-BE49-F238E27FC236}">
+              <a16:creationId xmlns:a16="http://schemas.microsoft.com/office/drawing/2014/main" id="{8F5EBD28-0E15-6E48-CFF8-5F20CA99F30D}"/>
+            </a:ext>
+          </a:extLst>
+        </p:cNvPr>
         <p:cNvGrpSpPr/>
         <p:nvPr/>
       </p:nvGrpSpPr>
@@ -17873,7 +17897,13 @@
       </p:grpSpPr>
       <p:sp>
         <p:nvSpPr>
-          <p:cNvPr id="3" name="标题 2"/>
+          <p:cNvPr id="3" name="标题 2">
+            <a:extLst>
+              <a:ext uri="{FF2B5EF4-FFF2-40B4-BE49-F238E27FC236}">
+                <a16:creationId xmlns:a16="http://schemas.microsoft.com/office/drawing/2014/main" id="{25665A89-57AF-0A16-8D46-F5263EB074C4}"/>
+              </a:ext>
+            </a:extLst>
+          </p:cNvPr>
           <p:cNvSpPr>
             <a:spLocks noGrp="1"/>
           </p:cNvSpPr>
@@ -17906,7 +17936,7 @@
           <p:cNvPr id="2" name="TextBox 1">
             <a:extLst>
               <a:ext uri="{FF2B5EF4-FFF2-40B4-BE49-F238E27FC236}">
-                <a16:creationId xmlns:a16="http://schemas.microsoft.com/office/drawing/2014/main" id="{631AADB6-C88A-D817-4683-FC087E4E240F}"/>
+                <a16:creationId xmlns:a16="http://schemas.microsoft.com/office/drawing/2014/main" id="{2DCBAE31-A4F1-169F-76FD-D208361ACF7B}"/>
               </a:ext>
             </a:extLst>
           </p:cNvPr>
@@ -17989,7 +18019,7 @@
           <p:cNvPr id="6" name="TextBox 5">
             <a:extLst>
               <a:ext uri="{FF2B5EF4-FFF2-40B4-BE49-F238E27FC236}">
-                <a16:creationId xmlns:a16="http://schemas.microsoft.com/office/drawing/2014/main" id="{6741FEA2-C046-FD82-2800-2CB513792080}"/>
+                <a16:creationId xmlns:a16="http://schemas.microsoft.com/office/drawing/2014/main" id="{5E6C439A-59F2-5865-F536-D721946B0D64}"/>
               </a:ext>
             </a:extLst>
           </p:cNvPr>
@@ -18336,7 +18366,7 @@
     </p:spTree>
     <p:extLst>
       <p:ext uri="{BB962C8B-B14F-4D97-AF65-F5344CB8AC3E}">
-        <p14:creationId xmlns:p14="http://schemas.microsoft.com/office/powerpoint/2010/main" val="2446013301"/>
+        <p14:creationId xmlns:p14="http://schemas.microsoft.com/office/powerpoint/2010/main" val="3293047540"/>
       </p:ext>
     </p:extLst>
   </p:cSld>
